--- a/SBL_repro_workshop.pptx
+++ b/SBL_repro_workshop.pptx
@@ -14,7 +14,6 @@
     <p:sldId id="264" r:id="rId8"/>
     <p:sldId id="262" r:id="rId9"/>
     <p:sldId id="265" r:id="rId10"/>
-    <p:sldId id="266" r:id="rId11"/>
   </p:sldIdLst>
   <p:sldSz cx="12192000" cy="6858000"/>
   <p:notesSz cx="6858000" cy="9144000"/>
@@ -270,7 +269,7 @@
           <a:p>
             <a:fld id="{2F9DADA1-1C5D-4C72-9D9E-8F86FF9BA9C7}" type="datetimeFigureOut">
               <a:rPr lang="de-AT" smtClean="0"/>
-              <a:t>18.08.2021</a:t>
+              <a:t>16.09.2021</a:t>
             </a:fld>
             <a:endParaRPr lang="de-AT"/>
           </a:p>
@@ -470,7 +469,7 @@
           <a:p>
             <a:fld id="{2F9DADA1-1C5D-4C72-9D9E-8F86FF9BA9C7}" type="datetimeFigureOut">
               <a:rPr lang="de-AT" smtClean="0"/>
-              <a:t>18.08.2021</a:t>
+              <a:t>16.09.2021</a:t>
             </a:fld>
             <a:endParaRPr lang="de-AT"/>
           </a:p>
@@ -680,7 +679,7 @@
           <a:p>
             <a:fld id="{2F9DADA1-1C5D-4C72-9D9E-8F86FF9BA9C7}" type="datetimeFigureOut">
               <a:rPr lang="de-AT" smtClean="0"/>
-              <a:t>18.08.2021</a:t>
+              <a:t>16.09.2021</a:t>
             </a:fld>
             <a:endParaRPr lang="de-AT"/>
           </a:p>
@@ -880,7 +879,7 @@
           <a:p>
             <a:fld id="{2F9DADA1-1C5D-4C72-9D9E-8F86FF9BA9C7}" type="datetimeFigureOut">
               <a:rPr lang="de-AT" smtClean="0"/>
-              <a:t>18.08.2021</a:t>
+              <a:t>16.09.2021</a:t>
             </a:fld>
             <a:endParaRPr lang="de-AT"/>
           </a:p>
@@ -1156,7 +1155,7 @@
           <a:p>
             <a:fld id="{2F9DADA1-1C5D-4C72-9D9E-8F86FF9BA9C7}" type="datetimeFigureOut">
               <a:rPr lang="de-AT" smtClean="0"/>
-              <a:t>18.08.2021</a:t>
+              <a:t>16.09.2021</a:t>
             </a:fld>
             <a:endParaRPr lang="de-AT"/>
           </a:p>
@@ -1424,7 +1423,7 @@
           <a:p>
             <a:fld id="{2F9DADA1-1C5D-4C72-9D9E-8F86FF9BA9C7}" type="datetimeFigureOut">
               <a:rPr lang="de-AT" smtClean="0"/>
-              <a:t>18.08.2021</a:t>
+              <a:t>16.09.2021</a:t>
             </a:fld>
             <a:endParaRPr lang="de-AT"/>
           </a:p>
@@ -1839,7 +1838,7 @@
           <a:p>
             <a:fld id="{2F9DADA1-1C5D-4C72-9D9E-8F86FF9BA9C7}" type="datetimeFigureOut">
               <a:rPr lang="de-AT" smtClean="0"/>
-              <a:t>18.08.2021</a:t>
+              <a:t>16.09.2021</a:t>
             </a:fld>
             <a:endParaRPr lang="de-AT"/>
           </a:p>
@@ -1981,7 +1980,7 @@
           <a:p>
             <a:fld id="{2F9DADA1-1C5D-4C72-9D9E-8F86FF9BA9C7}" type="datetimeFigureOut">
               <a:rPr lang="de-AT" smtClean="0"/>
-              <a:t>18.08.2021</a:t>
+              <a:t>16.09.2021</a:t>
             </a:fld>
             <a:endParaRPr lang="de-AT"/>
           </a:p>
@@ -2094,7 +2093,7 @@
           <a:p>
             <a:fld id="{2F9DADA1-1C5D-4C72-9D9E-8F86FF9BA9C7}" type="datetimeFigureOut">
               <a:rPr lang="de-AT" smtClean="0"/>
-              <a:t>18.08.2021</a:t>
+              <a:t>16.09.2021</a:t>
             </a:fld>
             <a:endParaRPr lang="de-AT"/>
           </a:p>
@@ -2407,7 +2406,7 @@
           <a:p>
             <a:fld id="{2F9DADA1-1C5D-4C72-9D9E-8F86FF9BA9C7}" type="datetimeFigureOut">
               <a:rPr lang="de-AT" smtClean="0"/>
-              <a:t>18.08.2021</a:t>
+              <a:t>16.09.2021</a:t>
             </a:fld>
             <a:endParaRPr lang="de-AT"/>
           </a:p>
@@ -2696,7 +2695,7 @@
           <a:p>
             <a:fld id="{2F9DADA1-1C5D-4C72-9D9E-8F86FF9BA9C7}" type="datetimeFigureOut">
               <a:rPr lang="de-AT" smtClean="0"/>
-              <a:t>18.08.2021</a:t>
+              <a:t>16.09.2021</a:t>
             </a:fld>
             <a:endParaRPr lang="de-AT"/>
           </a:p>
@@ -2939,7 +2938,7 @@
           <a:p>
             <a:fld id="{2F9DADA1-1C5D-4C72-9D9E-8F86FF9BA9C7}" type="datetimeFigureOut">
               <a:rPr lang="de-AT" smtClean="0"/>
-              <a:t>18.08.2021</a:t>
+              <a:t>16.09.2021</a:t>
             </a:fld>
             <a:endParaRPr lang="de-AT"/>
           </a:p>
@@ -3470,195 +3469,6 @@
 </p:sld>
 </file>
 
-<file path=ppt/slides/slide10.xml><?xml version="1.0" encoding="utf-8"?>
-<p:sld xmlns:a="http://schemas.openxmlformats.org/drawingml/2006/main" xmlns:r="http://schemas.openxmlformats.org/officeDocument/2006/relationships" xmlns:p="http://schemas.openxmlformats.org/presentationml/2006/main">
-  <p:cSld>
-    <p:spTree>
-      <p:nvGrpSpPr>
-        <p:cNvPr id="1" name=""/>
-        <p:cNvGrpSpPr/>
-        <p:nvPr/>
-      </p:nvGrpSpPr>
-      <p:grpSpPr>
-        <a:xfrm>
-          <a:off x="0" y="0"/>
-          <a:ext cx="0" cy="0"/>
-          <a:chOff x="0" y="0"/>
-          <a:chExt cx="0" cy="0"/>
-        </a:xfrm>
-      </p:grpSpPr>
-      <p:sp>
-        <p:nvSpPr>
-          <p:cNvPr id="2" name="Titel 1">
-            <a:extLst>
-              <a:ext uri="{FF2B5EF4-FFF2-40B4-BE49-F238E27FC236}">
-                <a16:creationId xmlns:a16="http://schemas.microsoft.com/office/drawing/2014/main" id="{566AA330-AF81-4429-9CCC-CA0E66CE5F57}"/>
-              </a:ext>
-            </a:extLst>
-          </p:cNvPr>
-          <p:cNvSpPr>
-            <a:spLocks noGrp="1"/>
-          </p:cNvSpPr>
-          <p:nvPr>
-            <p:ph type="title"/>
-          </p:nvPr>
-        </p:nvSpPr>
-        <p:spPr/>
-        <p:txBody>
-          <a:bodyPr/>
-          <a:lstStyle/>
-          <a:p>
-            <a:r>
-              <a:rPr lang="de-DE" dirty="0" err="1"/>
-              <a:t>Now</a:t>
-            </a:r>
-            <a:r>
-              <a:rPr lang="de-DE" dirty="0"/>
-              <a:t> </a:t>
-            </a:r>
-            <a:r>
-              <a:rPr lang="de-DE" dirty="0" err="1"/>
-              <a:t>let‘s</a:t>
-            </a:r>
-            <a:r>
-              <a:rPr lang="de-DE" dirty="0"/>
-              <a:t> do </a:t>
-            </a:r>
-            <a:r>
-              <a:rPr lang="de-DE" dirty="0" err="1"/>
-              <a:t>some</a:t>
-            </a:r>
-            <a:r>
-              <a:rPr lang="de-DE" dirty="0"/>
-              <a:t> </a:t>
-            </a:r>
-            <a:r>
-              <a:rPr lang="de-DE" dirty="0" err="1"/>
-              <a:t>exercises</a:t>
-            </a:r>
-            <a:r>
-              <a:rPr lang="de-DE" dirty="0"/>
-              <a:t>!</a:t>
-            </a:r>
-            <a:endParaRPr lang="de-AT" dirty="0"/>
-          </a:p>
-        </p:txBody>
-      </p:sp>
-      <p:sp>
-        <p:nvSpPr>
-          <p:cNvPr id="3" name="Inhaltsplatzhalter 2">
-            <a:extLst>
-              <a:ext uri="{FF2B5EF4-FFF2-40B4-BE49-F238E27FC236}">
-                <a16:creationId xmlns:a16="http://schemas.microsoft.com/office/drawing/2014/main" id="{78CE6AB8-1B21-4D91-8D36-A3A652830FE1}"/>
-              </a:ext>
-            </a:extLst>
-          </p:cNvPr>
-          <p:cNvSpPr>
-            <a:spLocks noGrp="1"/>
-          </p:cNvSpPr>
-          <p:nvPr>
-            <p:ph idx="1"/>
-          </p:nvPr>
-        </p:nvSpPr>
-        <p:spPr/>
-        <p:txBody>
-          <a:bodyPr>
-            <a:normAutofit fontScale="92500" lnSpcReduction="20000"/>
-          </a:bodyPr>
-          <a:lstStyle/>
-          <a:p>
-            <a:pPr marL="514350" indent="-514350">
-              <a:buAutoNum type="arabicPeriod"/>
-            </a:pPr>
-            <a:r>
-              <a:rPr lang="en-US" dirty="0"/>
-              <a:t>Edit the title of your header to change the title of your document. Add yourself as an author by adding 'author: "Your Name"' to the header in an extra line. Add today's date by adding 'date: "Date"' in an extra line.</a:t>
-            </a:r>
-          </a:p>
-          <a:p>
-            <a:pPr marL="514350" indent="-514350">
-              <a:buAutoNum type="arabicPeriod"/>
-            </a:pPr>
-            <a:r>
-              <a:rPr lang="en-US" dirty="0"/>
-              <a:t>Change the output from “</a:t>
-            </a:r>
-            <a:r>
-              <a:rPr lang="en-US" dirty="0" err="1"/>
-              <a:t>github_document</a:t>
-            </a:r>
-            <a:r>
-              <a:rPr lang="en-US" dirty="0"/>
-              <a:t>” to “</a:t>
-            </a:r>
-            <a:r>
-              <a:rPr lang="en-US" dirty="0" err="1"/>
-              <a:t>pdf_document</a:t>
-            </a:r>
-            <a:r>
-              <a:rPr lang="en-US" dirty="0"/>
-              <a:t>”, knit and see what happens.</a:t>
-            </a:r>
-          </a:p>
-          <a:p>
-            <a:pPr marL="514350" indent="-514350">
-              <a:buAutoNum type="arabicPeriod"/>
-            </a:pPr>
-            <a:r>
-              <a:rPr lang="en-US" dirty="0"/>
-              <a:t>Rename the second and third chunk to something that makes more sense than chunkname1 and chunkname2.</a:t>
-            </a:r>
-          </a:p>
-          <a:p>
-            <a:pPr marL="514350" indent="-514350">
-              <a:buAutoNum type="arabicPeriod"/>
-            </a:pPr>
-            <a:r>
-              <a:rPr lang="en-US" dirty="0"/>
-              <a:t>Add some text to your document and change the formatting using *...* for italic or **...** for bold text.</a:t>
-            </a:r>
-          </a:p>
-          <a:p>
-            <a:pPr marL="514350" indent="-514350">
-              <a:buAutoNum type="arabicPeriod"/>
-            </a:pPr>
-            <a:r>
-              <a:rPr lang="en-US" dirty="0"/>
-              <a:t>Check out the knitted output for the plot chunk. Now add ', echo=FALSE' to the chunk producing the plot, knit it and see what changes.</a:t>
-            </a:r>
-          </a:p>
-          <a:p>
-            <a:pPr marL="514350" indent="-514350">
-              <a:buAutoNum type="arabicPeriod"/>
-            </a:pPr>
-            <a:r>
-              <a:rPr lang="en-US" dirty="0"/>
-              <a:t>Add a new chunk by clicking the *Insert Chunk* button on the toolbar or by pressing *</a:t>
-            </a:r>
-            <a:r>
-              <a:rPr lang="en-US" dirty="0" err="1"/>
-              <a:t>Ctrl+Alt+I</a:t>
-            </a:r>
-            <a:r>
-              <a:rPr lang="en-US" dirty="0"/>
-              <a:t>*.</a:t>
-            </a:r>
-          </a:p>
-        </p:txBody>
-      </p:sp>
-    </p:spTree>
-    <p:extLst>
-      <p:ext uri="{BB962C8B-B14F-4D97-AF65-F5344CB8AC3E}">
-        <p14:creationId xmlns:p14="http://schemas.microsoft.com/office/powerpoint/2010/main" val="1881609723"/>
-      </p:ext>
-    </p:extLst>
-  </p:cSld>
-  <p:clrMapOvr>
-    <a:masterClrMapping/>
-  </p:clrMapOvr>
-</p:sld>
-</file>
-
 <file path=ppt/slides/slide2.xml><?xml version="1.0" encoding="utf-8"?>
 <p:sld xmlns:a="http://schemas.openxmlformats.org/drawingml/2006/main" xmlns:r="http://schemas.openxmlformats.org/officeDocument/2006/relationships" xmlns:p="http://schemas.openxmlformats.org/presentationml/2006/main">
   <p:cSld>
@@ -3922,6 +3732,69 @@
               <a:rPr lang="de-AT" dirty="0"/>
               <a:t>“</a:t>
             </a:r>
+          </a:p>
+          <a:p>
+            <a:r>
+              <a:rPr lang="de-AT" dirty="0" err="1"/>
+              <a:t>We</a:t>
+            </a:r>
+            <a:r>
+              <a:rPr lang="de-AT" dirty="0"/>
+              <a:t> </a:t>
+            </a:r>
+            <a:r>
+              <a:rPr lang="de-AT" dirty="0" err="1"/>
+              <a:t>load</a:t>
+            </a:r>
+            <a:r>
+              <a:rPr lang="de-AT" dirty="0"/>
+              <a:t> </a:t>
+            </a:r>
+            <a:r>
+              <a:rPr lang="de-AT" dirty="0" err="1"/>
+              <a:t>some</a:t>
+            </a:r>
+            <a:r>
+              <a:rPr lang="de-AT" dirty="0"/>
+              <a:t> </a:t>
+            </a:r>
+            <a:r>
+              <a:rPr lang="de-AT" dirty="0" err="1"/>
+              <a:t>data</a:t>
+            </a:r>
+            <a:r>
+              <a:rPr lang="de-AT" dirty="0"/>
+              <a:t> and save </a:t>
+            </a:r>
+            <a:r>
+              <a:rPr lang="de-AT" dirty="0" err="1"/>
+              <a:t>it</a:t>
+            </a:r>
+            <a:r>
+              <a:rPr lang="de-AT" dirty="0"/>
+              <a:t> </a:t>
+            </a:r>
+            <a:r>
+              <a:rPr lang="de-AT" dirty="0" err="1"/>
+              <a:t>as</a:t>
+            </a:r>
+            <a:r>
+              <a:rPr lang="de-AT" dirty="0"/>
+              <a:t> a </a:t>
+            </a:r>
+            <a:r>
+              <a:rPr lang="de-AT" dirty="0" err="1"/>
+              <a:t>csv</a:t>
+            </a:r>
+            <a:r>
+              <a:rPr lang="de-AT" dirty="0"/>
+              <a:t> </a:t>
+            </a:r>
+            <a:r>
+              <a:rPr lang="de-AT" dirty="0" err="1"/>
+              <a:t>file</a:t>
+            </a:r>
+            <a:endParaRPr lang="de-AT" dirty="0"/>
           </a:p>
           <a:p>
             <a:r>
@@ -4253,6 +4126,55 @@
                                           <p:spTgt spid="3">
                                             <p:txEl>
                                               <p:pRg st="3" end="3"/>
+                                            </p:txEl>
+                                          </p:spTgt>
+                                        </p:tgtEl>
+                                        <p:attrNameLst>
+                                          <p:attrName>style.visibility</p:attrName>
+                                        </p:attrNameLst>
+                                      </p:cBhvr>
+                                      <p:to>
+                                        <p:strVal val="visible"/>
+                                      </p:to>
+                                    </p:set>
+                                  </p:childTnLst>
+                                </p:cTn>
+                              </p:par>
+                            </p:childTnLst>
+                          </p:cTn>
+                        </p:par>
+                      </p:childTnLst>
+                    </p:cTn>
+                  </p:par>
+                  <p:par>
+                    <p:cTn id="19" fill="hold">
+                      <p:stCondLst>
+                        <p:cond delay="indefinite"/>
+                      </p:stCondLst>
+                      <p:childTnLst>
+                        <p:par>
+                          <p:cTn id="20" fill="hold">
+                            <p:stCondLst>
+                              <p:cond delay="0"/>
+                            </p:stCondLst>
+                            <p:childTnLst>
+                              <p:par>
+                                <p:cTn id="21" presetID="1" presetClass="entr" presetSubtype="0" fill="hold" grpId="0" nodeType="clickEffect">
+                                  <p:stCondLst>
+                                    <p:cond delay="0"/>
+                                  </p:stCondLst>
+                                  <p:childTnLst>
+                                    <p:set>
+                                      <p:cBhvr>
+                                        <p:cTn id="22" dur="1" fill="hold">
+                                          <p:stCondLst>
+                                            <p:cond delay="0"/>
+                                          </p:stCondLst>
+                                        </p:cTn>
+                                        <p:tgtEl>
+                                          <p:spTgt spid="3">
+                                            <p:txEl>
+                                              <p:pRg st="4" end="4"/>
                                             </p:txEl>
                                           </p:spTgt>
                                         </p:tgtEl>
@@ -5297,7 +5219,7 @@
         <p:spPr>
           <a:xfrm>
             <a:off x="838201" y="1825625"/>
-            <a:ext cx="3341914" cy="4351338"/>
+            <a:ext cx="3603170" cy="4351338"/>
           </a:xfrm>
         </p:spPr>
         <p:txBody>
@@ -5349,6 +5271,14 @@
             <a:r>
               <a:rPr lang="de-DE" dirty="0" err="1"/>
               <a:t>you</a:t>
+            </a:r>
+            <a:r>
+              <a:rPr lang="de-DE" dirty="0"/>
+              <a:t> </a:t>
+            </a:r>
+            <a:r>
+              <a:rPr lang="de-DE" dirty="0" err="1"/>
+              <a:t>can</a:t>
             </a:r>
             <a:r>
               <a:rPr lang="de-DE" dirty="0"/>
@@ -6466,10 +6396,15 @@
             <p:ph idx="1"/>
           </p:nvPr>
         </p:nvSpPr>
-        <p:spPr/>
+        <p:spPr>
+          <a:xfrm>
+            <a:off x="838200" y="1825625"/>
+            <a:ext cx="4017818" cy="4351338"/>
+          </a:xfrm>
+        </p:spPr>
         <p:txBody>
           <a:bodyPr>
-            <a:normAutofit/>
+            <a:normAutofit fontScale="92500" lnSpcReduction="10000"/>
           </a:bodyPr>
           <a:lstStyle/>
           <a:p>
@@ -6489,74 +6424,12 @@
               <a:t>: </a:t>
             </a:r>
             <a:r>
-              <a:rPr lang="de-DE" b="1" dirty="0" err="1"/>
+              <a:rPr lang="de-DE" dirty="0" err="1"/>
               <a:t>Get</a:t>
             </a:r>
             <a:r>
-              <a:rPr lang="de-DE" b="1" dirty="0"/>
-              <a:t> </a:t>
-            </a:r>
-            <a:r>
-              <a:rPr lang="de-DE" b="1" dirty="0" err="1"/>
-              <a:t>the</a:t>
-            </a:r>
-            <a:r>
-              <a:rPr lang="de-DE" b="1" dirty="0"/>
-              <a:t> </a:t>
-            </a:r>
-            <a:r>
-              <a:rPr lang="de-DE" b="1" dirty="0" err="1"/>
-              <a:t>Rmarkdown</a:t>
-            </a:r>
-            <a:r>
-              <a:rPr lang="de-DE" b="1" dirty="0"/>
-              <a:t> </a:t>
-            </a:r>
-            <a:r>
-              <a:rPr lang="de-DE" b="1" dirty="0" err="1"/>
-              <a:t>file</a:t>
-            </a:r>
-            <a:r>
-              <a:rPr lang="de-DE" b="1" dirty="0"/>
-              <a:t> I </a:t>
-            </a:r>
-            <a:r>
-              <a:rPr lang="de-DE" b="1" dirty="0" err="1"/>
-              <a:t>created</a:t>
-            </a:r>
-            <a:r>
-              <a:rPr lang="de-DE" b="1" dirty="0"/>
-              <a:t> </a:t>
-            </a:r>
-            <a:r>
-              <a:rPr lang="de-DE" b="1" dirty="0" err="1"/>
-              <a:t>for</a:t>
-            </a:r>
-            <a:r>
-              <a:rPr lang="de-DE" b="1" dirty="0"/>
-              <a:t> </a:t>
-            </a:r>
-            <a:r>
-              <a:rPr lang="de-DE" b="1" dirty="0" err="1"/>
-              <a:t>this</a:t>
-            </a:r>
-            <a:r>
-              <a:rPr lang="de-DE" b="1" dirty="0"/>
-              <a:t> </a:t>
-            </a:r>
-            <a:r>
-              <a:rPr lang="de-DE" b="1" dirty="0" err="1"/>
-              <a:t>purpose</a:t>
-            </a:r>
-            <a:r>
-              <a:rPr lang="de-DE" b="1" dirty="0"/>
-              <a:t>!</a:t>
-            </a:r>
-          </a:p>
-          <a:p>
-            <a:r>
               <a:rPr lang="de-DE" dirty="0"/>
-              <a:t>Clone </a:t>
+              <a:t> </a:t>
             </a:r>
             <a:r>
               <a:rPr lang="de-DE" dirty="0" err="1"/>
@@ -6568,26 +6441,7 @@
             </a:r>
             <a:r>
               <a:rPr lang="de-DE" dirty="0" err="1"/>
-              <a:t>Github</a:t>
-            </a:r>
-            <a:r>
-              <a:rPr lang="de-DE" dirty="0"/>
-              <a:t> </a:t>
-            </a:r>
-            <a:r>
-              <a:rPr lang="de-DE" dirty="0" err="1"/>
-              <a:t>repository</a:t>
-            </a:r>
-            <a:endParaRPr lang="de-DE" dirty="0"/>
-          </a:p>
-          <a:p>
-            <a:r>
-              <a:rPr lang="de-DE" dirty="0"/>
-              <a:t>Download </a:t>
-            </a:r>
-            <a:r>
-              <a:rPr lang="de-DE" dirty="0" err="1"/>
-              <a:t>the</a:t>
+              <a:t>Rmarkdown</a:t>
             </a:r>
             <a:r>
               <a:rPr lang="de-DE" dirty="0"/>
@@ -6603,7 +6457,7 @@
             </a:r>
             <a:r>
               <a:rPr lang="de-DE" dirty="0" err="1"/>
-              <a:t>sent</a:t>
+              <a:t>created</a:t>
             </a:r>
             <a:r>
               <a:rPr lang="de-DE" dirty="0"/>
@@ -6611,71 +6465,61 @@
             </a:r>
             <a:r>
               <a:rPr lang="de-DE" dirty="0" err="1"/>
-              <a:t>you</a:t>
+              <a:t>for</a:t>
+            </a:r>
+            <a:r>
+              <a:rPr lang="de-DE" dirty="0"/>
+              <a:t> </a:t>
+            </a:r>
+            <a:r>
+              <a:rPr lang="de-DE" dirty="0" err="1"/>
+              <a:t>this</a:t>
+            </a:r>
+            <a:r>
+              <a:rPr lang="de-DE" dirty="0"/>
+              <a:t> </a:t>
+            </a:r>
+            <a:r>
+              <a:rPr lang="de-DE" dirty="0" err="1"/>
+              <a:t>purpose</a:t>
+            </a:r>
+            <a:r>
+              <a:rPr lang="de-DE" dirty="0"/>
+              <a:t> </a:t>
+            </a:r>
+            <a:r>
+              <a:rPr lang="de-DE" dirty="0" err="1"/>
+              <a:t>or</a:t>
+            </a:r>
+            <a:r>
+              <a:rPr lang="de-DE" dirty="0"/>
+              <a:t> </a:t>
+            </a:r>
+            <a:r>
+              <a:rPr lang="de-DE" dirty="0" err="1"/>
+              <a:t>create</a:t>
+            </a:r>
+            <a:r>
+              <a:rPr lang="de-DE" dirty="0"/>
+              <a:t> a </a:t>
+            </a:r>
+            <a:r>
+              <a:rPr lang="de-DE" dirty="0" err="1"/>
+              <a:t>new</a:t>
+            </a:r>
+            <a:r>
+              <a:rPr lang="de-DE" dirty="0"/>
+              <a:t> </a:t>
+            </a:r>
+            <a:r>
+              <a:rPr lang="de-DE" dirty="0" err="1"/>
+              <a:t>document</a:t>
+            </a:r>
+            <a:r>
+              <a:rPr lang="de-DE"/>
+              <a:t>!</a:t>
             </a:r>
             <a:endParaRPr lang="de-DE" dirty="0"/>
-          </a:p>
-          <a:p>
-            <a:r>
-              <a:rPr lang="de-DE" dirty="0"/>
-              <a:t>Open </a:t>
-            </a:r>
-            <a:r>
-              <a:rPr lang="de-DE" dirty="0" err="1"/>
-              <a:t>it</a:t>
-            </a:r>
-            <a:r>
-              <a:rPr lang="de-DE" dirty="0"/>
-              <a:t> in </a:t>
-            </a:r>
-            <a:r>
-              <a:rPr lang="de-DE" dirty="0" err="1"/>
-              <a:t>Rstudio</a:t>
-            </a:r>
-            <a:r>
-              <a:rPr lang="de-DE" dirty="0"/>
-              <a:t> (</a:t>
-            </a:r>
-            <a:r>
-              <a:rPr lang="de-DE" dirty="0" err="1"/>
-              <a:t>wherever</a:t>
-            </a:r>
-            <a:r>
-              <a:rPr lang="de-DE" dirty="0"/>
-              <a:t> </a:t>
-            </a:r>
-            <a:r>
-              <a:rPr lang="de-DE" dirty="0" err="1"/>
-              <a:t>you</a:t>
-            </a:r>
-            <a:r>
-              <a:rPr lang="de-DE" dirty="0"/>
-              <a:t> </a:t>
-            </a:r>
-            <a:r>
-              <a:rPr lang="de-DE" dirty="0" err="1"/>
-              <a:t>have</a:t>
-            </a:r>
-            <a:r>
-              <a:rPr lang="de-DE" dirty="0"/>
-              <a:t> </a:t>
-            </a:r>
-            <a:r>
-              <a:rPr lang="de-DE" dirty="0" err="1"/>
-              <a:t>it</a:t>
-            </a:r>
-            <a:r>
-              <a:rPr lang="de-DE" dirty="0"/>
-              <a:t> </a:t>
-            </a:r>
-            <a:r>
-              <a:rPr lang="de-DE" dirty="0" err="1"/>
-              <a:t>available</a:t>
-            </a:r>
-            <a:r>
-              <a:rPr lang="de-DE" dirty="0"/>
-              <a:t>)</a:t>
-            </a:r>
           </a:p>
           <a:p>
             <a:pPr marL="0" indent="0">
@@ -6696,7 +6540,7 @@
               <a:t>up</a:t>
             </a:r>
             <a:r>
-              <a:rPr lang="de-DE" b="1"/>
+              <a:rPr lang="de-DE" b="1" dirty="0"/>
               <a:t>:</a:t>
             </a:r>
           </a:p>
@@ -6705,81 +6549,194 @@
               <a:buNone/>
             </a:pPr>
             <a:r>
-              <a:rPr lang="de-DE" b="1"/>
+              <a:rPr lang="de-DE" dirty="0" err="1"/>
               <a:t>We</a:t>
             </a:r>
             <a:r>
-              <a:rPr lang="de-DE" b="1" dirty="0"/>
-              <a:t> </a:t>
-            </a:r>
-            <a:r>
-              <a:rPr lang="de-DE" b="1" dirty="0" err="1"/>
+              <a:rPr lang="de-DE" dirty="0"/>
+              <a:t> </a:t>
+            </a:r>
+            <a:r>
+              <a:rPr lang="de-DE" dirty="0" err="1"/>
               <a:t>go</a:t>
             </a:r>
             <a:r>
-              <a:rPr lang="de-DE" b="1" dirty="0"/>
-              <a:t> </a:t>
-            </a:r>
-            <a:r>
-              <a:rPr lang="de-DE" b="1" dirty="0" err="1"/>
+              <a:rPr lang="de-DE" dirty="0"/>
+              <a:t> </a:t>
+            </a:r>
+            <a:r>
+              <a:rPr lang="de-DE" dirty="0" err="1"/>
               <a:t>through</a:t>
             </a:r>
             <a:r>
-              <a:rPr lang="de-DE" b="1" dirty="0"/>
-              <a:t> </a:t>
-            </a:r>
-            <a:r>
-              <a:rPr lang="de-DE" b="1" dirty="0" err="1"/>
+              <a:rPr lang="de-DE" dirty="0"/>
+              <a:t> </a:t>
+            </a:r>
+            <a:r>
+              <a:rPr lang="de-DE" dirty="0" err="1"/>
               <a:t>the</a:t>
             </a:r>
             <a:r>
-              <a:rPr lang="de-DE" b="1" dirty="0"/>
-              <a:t> </a:t>
-            </a:r>
-            <a:r>
-              <a:rPr lang="de-DE" b="1" dirty="0" err="1"/>
+              <a:rPr lang="de-DE" dirty="0"/>
+              <a:t> </a:t>
+            </a:r>
+            <a:r>
+              <a:rPr lang="de-DE" dirty="0" err="1"/>
               <a:t>exercises</a:t>
             </a:r>
             <a:r>
-              <a:rPr lang="de-DE" b="1" dirty="0"/>
-              <a:t> </a:t>
-            </a:r>
-            <a:r>
-              <a:rPr lang="de-DE" b="1" dirty="0" err="1"/>
+              <a:rPr lang="de-DE" dirty="0"/>
+              <a:t> </a:t>
+            </a:r>
+            <a:r>
+              <a:rPr lang="de-DE" dirty="0" err="1"/>
               <a:t>together</a:t>
             </a:r>
             <a:r>
-              <a:rPr lang="de-DE" b="1" dirty="0"/>
+              <a:rPr lang="de-DE" dirty="0"/>
               <a:t> and </a:t>
             </a:r>
             <a:r>
-              <a:rPr lang="de-DE" b="1" dirty="0" err="1"/>
+              <a:rPr lang="de-DE" dirty="0" err="1"/>
               <a:t>change</a:t>
             </a:r>
             <a:r>
-              <a:rPr lang="de-DE" b="1" dirty="0"/>
-              <a:t> </a:t>
-            </a:r>
-            <a:r>
-              <a:rPr lang="de-DE" b="1" dirty="0" err="1"/>
+              <a:rPr lang="de-DE" dirty="0"/>
+              <a:t>/</a:t>
+            </a:r>
+            <a:r>
+              <a:rPr lang="de-DE" dirty="0" err="1"/>
+              <a:t>add</a:t>
+            </a:r>
+            <a:r>
+              <a:rPr lang="de-DE" dirty="0"/>
+              <a:t> </a:t>
+            </a:r>
+            <a:r>
+              <a:rPr lang="de-DE" dirty="0" err="1"/>
               <a:t>some</a:t>
             </a:r>
             <a:r>
-              <a:rPr lang="de-DE" b="1" dirty="0"/>
-              <a:t> </a:t>
-            </a:r>
-            <a:r>
-              <a:rPr lang="de-DE" b="1" dirty="0" err="1"/>
+              <a:rPr lang="de-DE" dirty="0"/>
+              <a:t> </a:t>
+            </a:r>
+            <a:r>
+              <a:rPr lang="de-DE" dirty="0" err="1"/>
               <a:t>things</a:t>
             </a:r>
             <a:r>
-              <a:rPr lang="de-DE" b="1" dirty="0"/>
+              <a:rPr lang="de-DE" dirty="0"/>
               <a:t>!</a:t>
             </a:r>
-            <a:endParaRPr lang="de-AT" b="1" dirty="0"/>
-          </a:p>
-        </p:txBody>
-      </p:sp>
+          </a:p>
+          <a:p>
+            <a:pPr marL="0" indent="0">
+              <a:buNone/>
+            </a:pPr>
+            <a:r>
+              <a:rPr lang="de-DE" dirty="0" err="1"/>
+              <a:t>We‘ll</a:t>
+            </a:r>
+            <a:r>
+              <a:rPr lang="de-DE" dirty="0"/>
+              <a:t> </a:t>
+            </a:r>
+            <a:r>
+              <a:rPr lang="de-DE" dirty="0" err="1"/>
+              <a:t>upload</a:t>
+            </a:r>
+            <a:r>
+              <a:rPr lang="de-DE" dirty="0"/>
+              <a:t>/push </a:t>
+            </a:r>
+            <a:r>
+              <a:rPr lang="de-DE" dirty="0" err="1"/>
+              <a:t>that</a:t>
+            </a:r>
+            <a:r>
+              <a:rPr lang="de-DE" dirty="0"/>
+              <a:t> </a:t>
+            </a:r>
+            <a:r>
+              <a:rPr lang="de-DE" dirty="0" err="1"/>
+              <a:t>file</a:t>
+            </a:r>
+            <a:r>
+              <a:rPr lang="de-DE" dirty="0"/>
+              <a:t> </a:t>
+            </a:r>
+            <a:r>
+              <a:rPr lang="de-DE" dirty="0" err="1"/>
+              <a:t>to</a:t>
+            </a:r>
+            <a:r>
+              <a:rPr lang="de-DE" dirty="0"/>
+              <a:t> GitHub!</a:t>
+            </a:r>
+            <a:endParaRPr lang="de-AT" dirty="0"/>
+          </a:p>
+        </p:txBody>
+      </p:sp>
+      <p:pic>
+        <p:nvPicPr>
+          <p:cNvPr id="5" name="Grafik 4">
+            <a:extLst>
+              <a:ext uri="{FF2B5EF4-FFF2-40B4-BE49-F238E27FC236}">
+                <a16:creationId xmlns:a16="http://schemas.microsoft.com/office/drawing/2014/main" id="{29348623-B105-442A-AEC2-C0351D6F0477}"/>
+              </a:ext>
+            </a:extLst>
+          </p:cNvPr>
+          <p:cNvPicPr>
+            <a:picLocks noChangeAspect="1"/>
+          </p:cNvPicPr>
+          <p:nvPr/>
+        </p:nvPicPr>
+        <p:blipFill>
+          <a:blip r:embed="rId2"/>
+          <a:stretch>
+            <a:fillRect/>
+          </a:stretch>
+        </p:blipFill>
+        <p:spPr>
+          <a:xfrm>
+            <a:off x="4957329" y="1531721"/>
+            <a:ext cx="5048250" cy="4495800"/>
+          </a:xfrm>
+          <a:prstGeom prst="rect">
+            <a:avLst/>
+          </a:prstGeom>
+        </p:spPr>
+      </p:pic>
+      <p:pic>
+        <p:nvPicPr>
+          <p:cNvPr id="7" name="Grafik 6">
+            <a:extLst>
+              <a:ext uri="{FF2B5EF4-FFF2-40B4-BE49-F238E27FC236}">
+                <a16:creationId xmlns:a16="http://schemas.microsoft.com/office/drawing/2014/main" id="{EED64852-9C7D-4A47-8F00-9F201F7845E3}"/>
+              </a:ext>
+            </a:extLst>
+          </p:cNvPr>
+          <p:cNvPicPr>
+            <a:picLocks noChangeAspect="1"/>
+          </p:cNvPicPr>
+          <p:nvPr/>
+        </p:nvPicPr>
+        <p:blipFill>
+          <a:blip r:embed="rId3"/>
+          <a:stretch>
+            <a:fillRect/>
+          </a:stretch>
+        </p:blipFill>
+        <p:spPr>
+          <a:xfrm>
+            <a:off x="6234545" y="3740728"/>
+            <a:ext cx="5700279" cy="2653578"/>
+          </a:xfrm>
+          <a:prstGeom prst="rect">
+            <a:avLst/>
+          </a:prstGeom>
+        </p:spPr>
+      </p:pic>
     </p:spTree>
     <p:extLst>
       <p:ext uri="{BB962C8B-B14F-4D97-AF65-F5344CB8AC3E}">
